--- a/Плакати.pptx
+++ b/Плакати.pptx
@@ -111,7 +111,7 @@
   </p:defaultTextStyle>
   <p:extLst>
     <p:ext uri="{EFAFB233-063F-42B5-8137-9DF3F51BA10A}">
-      <p15:sldGuideLst xmlns:p15="http://schemas.microsoft.com/office/powerpoint/2012/main" xmlns=""/>
+      <p15:sldGuideLst xmlns="" xmlns:p15="http://schemas.microsoft.com/office/powerpoint/2012/main"/>
     </p:ext>
   </p:extLst>
 </p:presentation>
@@ -4631,24 +4631,20 @@
           <a:p>
             <a:pPr algn="ctr"/>
             <a:r>
+              <a:rPr lang="uk-UA" smtClean="0"/>
+              <a:t>Проведення </a:t>
+            </a:r>
+            <a:r>
+              <a:rPr lang="uk-UA" smtClean="0"/>
+              <a:t>тестування з </a:t>
+            </a:r>
+            <a:r>
               <a:rPr lang="uk-UA" dirty="0" smtClean="0"/>
-              <a:t>Проведення </a:t>
-            </a:r>
-            <a:r>
-              <a:rPr lang="uk-UA" dirty="0" err="1" smtClean="0"/>
-              <a:t>ска</a:t>
-            </a:r>
-            <a:r>
-              <a:rPr lang="ru-RU" dirty="0"/>
-              <a:t>н</a:t>
-            </a:r>
-            <a:r>
-              <a:rPr lang="uk-UA" dirty="0" err="1" smtClean="0"/>
-              <a:t>ування</a:t>
+              <a:t>використанням</a:t>
             </a:r>
             <a:r>
               <a:rPr lang="uk-UA" dirty="0" smtClean="0"/>
-              <a:t> за допомогою </a:t>
+              <a:t> </a:t>
             </a:r>
             <a:r>
               <a:rPr lang="en-US" dirty="0" err="1" smtClean="0"/>
@@ -4926,7 +4922,7 @@
   <a:extraClrSchemeLst/>
   <a:extLst>
     <a:ext uri="{05A4C25C-085E-4340-85A3-A5531E510DB2}">
-      <thm15:themeFamily xmlns:thm15="http://schemas.microsoft.com/office/thememl/2012/main" xmlns="" name="Office Theme" id="{62F939B6-93AF-4DB8-9C6B-D6C7DFDC589F}" vid="{4A3C46E8-61CC-4603-A589-7422A47A8E4A}"/>
+      <thm15:themeFamily xmlns="" xmlns:thm15="http://schemas.microsoft.com/office/thememl/2012/main" name="Office Theme" id="{62F939B6-93AF-4DB8-9C6B-D6C7DFDC589F}" vid="{4A3C46E8-61CC-4603-A589-7422A47A8E4A}"/>
     </a:ext>
   </a:extLst>
 </a:theme>

--- a/Плакати.pptx
+++ b/Плакати.pptx
@@ -6,11 +6,12 @@
   </p:sldMasterIdLst>
   <p:sldIdLst>
     <p:sldId id="257" r:id="rId2"/>
-    <p:sldId id="258" r:id="rId3"/>
-    <p:sldId id="259" r:id="rId4"/>
-    <p:sldId id="260" r:id="rId5"/>
-    <p:sldId id="262" r:id="rId6"/>
-    <p:sldId id="261" r:id="rId7"/>
+    <p:sldId id="259" r:id="rId3"/>
+    <p:sldId id="260" r:id="rId4"/>
+    <p:sldId id="262" r:id="rId5"/>
+    <p:sldId id="261" r:id="rId6"/>
+    <p:sldId id="258" r:id="rId7"/>
+    <p:sldId id="263" r:id="rId8"/>
   </p:sldIdLst>
   <p:sldSz cx="21275675" cy="30275213"/>
   <p:notesSz cx="6858000" cy="9144000"/>
@@ -111,7 +112,18 @@
   </p:defaultTextStyle>
   <p:extLst>
     <p:ext uri="{EFAFB233-063F-42B5-8137-9DF3F51BA10A}">
-      <p15:sldGuideLst xmlns="" xmlns:p15="http://schemas.microsoft.com/office/powerpoint/2012/main"/>
+      <p15:sldGuideLst xmlns="" xmlns:p15="http://schemas.microsoft.com/office/powerpoint/2012/main">
+        <p15:guide id="1" orient="horz" pos="9535">
+          <p15:clr>
+            <a:srgbClr val="A4A3A4"/>
+          </p15:clr>
+        </p15:guide>
+        <p15:guide id="2" pos="6701">
+          <p15:clr>
+            <a:srgbClr val="A4A3A4"/>
+          </p15:clr>
+        </p15:guide>
+      </p15:sldGuideLst>
     </p:ext>
   </p:extLst>
 </p:presentation>
@@ -248,7 +260,7 @@
           <a:p>
             <a:fld id="{966F3F37-EBA9-44FC-84C5-8C3AE00AA806}" type="datetimeFigureOut">
               <a:rPr lang="en-US" smtClean="0"/>
-              <a:t>6/19/2017</a:t>
+              <a:t>6/20/2017</a:t>
             </a:fld>
             <a:endParaRPr lang="en-US"/>
           </a:p>
@@ -418,7 +430,7 @@
           <a:p>
             <a:fld id="{966F3F37-EBA9-44FC-84C5-8C3AE00AA806}" type="datetimeFigureOut">
               <a:rPr lang="en-US" smtClean="0"/>
-              <a:t>6/19/2017</a:t>
+              <a:t>6/20/2017</a:t>
             </a:fld>
             <a:endParaRPr lang="en-US"/>
           </a:p>
@@ -598,7 +610,7 @@
           <a:p>
             <a:fld id="{966F3F37-EBA9-44FC-84C5-8C3AE00AA806}" type="datetimeFigureOut">
               <a:rPr lang="en-US" smtClean="0"/>
-              <a:t>6/19/2017</a:t>
+              <a:t>6/20/2017</a:t>
             </a:fld>
             <a:endParaRPr lang="en-US"/>
           </a:p>
@@ -768,7 +780,7 @@
           <a:p>
             <a:fld id="{966F3F37-EBA9-44FC-84C5-8C3AE00AA806}" type="datetimeFigureOut">
               <a:rPr lang="en-US" smtClean="0"/>
-              <a:t>6/19/2017</a:t>
+              <a:t>6/20/2017</a:t>
             </a:fld>
             <a:endParaRPr lang="en-US"/>
           </a:p>
@@ -1012,7 +1024,7 @@
           <a:p>
             <a:fld id="{966F3F37-EBA9-44FC-84C5-8C3AE00AA806}" type="datetimeFigureOut">
               <a:rPr lang="en-US" smtClean="0"/>
-              <a:t>6/19/2017</a:t>
+              <a:t>6/20/2017</a:t>
             </a:fld>
             <a:endParaRPr lang="en-US"/>
           </a:p>
@@ -1244,7 +1256,7 @@
           <a:p>
             <a:fld id="{966F3F37-EBA9-44FC-84C5-8C3AE00AA806}" type="datetimeFigureOut">
               <a:rPr lang="en-US" smtClean="0"/>
-              <a:t>6/19/2017</a:t>
+              <a:t>6/20/2017</a:t>
             </a:fld>
             <a:endParaRPr lang="en-US"/>
           </a:p>
@@ -1611,7 +1623,7 @@
           <a:p>
             <a:fld id="{966F3F37-EBA9-44FC-84C5-8C3AE00AA806}" type="datetimeFigureOut">
               <a:rPr lang="en-US" smtClean="0"/>
-              <a:t>6/19/2017</a:t>
+              <a:t>6/20/2017</a:t>
             </a:fld>
             <a:endParaRPr lang="en-US"/>
           </a:p>
@@ -1729,7 +1741,7 @@
           <a:p>
             <a:fld id="{966F3F37-EBA9-44FC-84C5-8C3AE00AA806}" type="datetimeFigureOut">
               <a:rPr lang="en-US" smtClean="0"/>
-              <a:t>6/19/2017</a:t>
+              <a:t>6/20/2017</a:t>
             </a:fld>
             <a:endParaRPr lang="en-US"/>
           </a:p>
@@ -1824,7 +1836,7 @@
           <a:p>
             <a:fld id="{966F3F37-EBA9-44FC-84C5-8C3AE00AA806}" type="datetimeFigureOut">
               <a:rPr lang="en-US" smtClean="0"/>
-              <a:t>6/19/2017</a:t>
+              <a:t>6/20/2017</a:t>
             </a:fld>
             <a:endParaRPr lang="en-US"/>
           </a:p>
@@ -2101,7 +2113,7 @@
           <a:p>
             <a:fld id="{966F3F37-EBA9-44FC-84C5-8C3AE00AA806}" type="datetimeFigureOut">
               <a:rPr lang="en-US" smtClean="0"/>
-              <a:t>6/19/2017</a:t>
+              <a:t>6/20/2017</a:t>
             </a:fld>
             <a:endParaRPr lang="en-US"/>
           </a:p>
@@ -2358,7 +2370,7 @@
           <a:p>
             <a:fld id="{966F3F37-EBA9-44FC-84C5-8C3AE00AA806}" type="datetimeFigureOut">
               <a:rPr lang="en-US" smtClean="0"/>
-              <a:t>6/19/2017</a:t>
+              <a:t>6/20/2017</a:t>
             </a:fld>
             <a:endParaRPr lang="en-US"/>
           </a:p>
@@ -2571,7 +2583,7 @@
           <a:p>
             <a:fld id="{966F3F37-EBA9-44FC-84C5-8C3AE00AA806}" type="datetimeFigureOut">
               <a:rPr lang="en-US" smtClean="0"/>
-              <a:t>6/19/2017</a:t>
+              <a:t>6/20/2017</a:t>
             </a:fld>
             <a:endParaRPr lang="en-US"/>
           </a:p>
@@ -3202,190 +3214,6 @@
           <a:chExt cx="0" cy="0"/>
         </a:xfrm>
       </p:grpSpPr>
-      <p:sp>
-        <p:nvSpPr>
-          <p:cNvPr id="2" name="Title 1"/>
-          <p:cNvSpPr>
-            <a:spLocks noGrp="1"/>
-          </p:cNvSpPr>
-          <p:nvPr>
-            <p:ph type="title"/>
-          </p:nvPr>
-        </p:nvSpPr>
-        <p:spPr/>
-        <p:txBody>
-          <a:bodyPr/>
-          <a:lstStyle/>
-          <a:p>
-            <a:r>
-              <a:rPr lang="ru-RU" sz="14800" dirty="0"/>
-              <a:t>Висновки</a:t>
-            </a:r>
-            <a:endParaRPr lang="en-US" dirty="0"/>
-          </a:p>
-        </p:txBody>
-      </p:sp>
-      <p:sp>
-        <p:nvSpPr>
-          <p:cNvPr id="3" name="Content Placeholder 2"/>
-          <p:cNvSpPr>
-            <a:spLocks noGrp="1"/>
-          </p:cNvSpPr>
-          <p:nvPr>
-            <p:ph idx="1"/>
-          </p:nvPr>
-        </p:nvSpPr>
-        <p:spPr>
-          <a:xfrm>
-            <a:off x="1462702" y="8059374"/>
-            <a:ext cx="19035097" cy="19209345"/>
-          </a:xfrm>
-        </p:spPr>
-        <p:txBody>
-          <a:bodyPr>
-            <a:normAutofit fontScale="92500" lnSpcReduction="10000"/>
-          </a:bodyPr>
-          <a:lstStyle/>
-          <a:p>
-            <a:pPr marL="0" indent="0">
-              <a:buNone/>
-            </a:pPr>
-            <a:r>
-              <a:rPr lang="uk-UA" dirty="0" smtClean="0"/>
-              <a:t>	В </a:t>
-            </a:r>
-            <a:r>
-              <a:rPr lang="uk-UA" dirty="0"/>
-              <a:t>ході роботи було обґрунтовано актуальність дослідження методів забезпечення якості програмних додатків, заснованих за використанні статистичних методів контролю</a:t>
-            </a:r>
-            <a:endParaRPr lang="ru-RU" dirty="0"/>
-          </a:p>
-          <a:p>
-            <a:pPr marL="0" indent="0">
-              <a:buNone/>
-            </a:pPr>
-            <a:r>
-              <a:rPr lang="uk-UA" dirty="0"/>
-              <a:t>	Проведено аналіз моделей життєвого циклу розробки програмних додатків. Дано визначення різних складових якості відповідно до стандарту </a:t>
-            </a:r>
-            <a:r>
-              <a:rPr lang="en-US" dirty="0"/>
-              <a:t>ISO</a:t>
-            </a:r>
-            <a:r>
-              <a:rPr lang="uk-UA" dirty="0"/>
-              <a:t> 9126:2001. </a:t>
-            </a:r>
-            <a:endParaRPr lang="ru-RU" dirty="0"/>
-          </a:p>
-          <a:p>
-            <a:pPr marL="0" indent="0">
-              <a:buNone/>
-            </a:pPr>
-            <a:r>
-              <a:rPr lang="uk-UA" dirty="0"/>
-              <a:t>	Досліджено вимоги до безпеки  для різних компонент розроблюваного програмного додатку, такі як модуль </a:t>
-            </a:r>
-            <a:r>
-              <a:rPr lang="uk-UA" dirty="0" err="1" smtClean="0"/>
-              <a:t>автентифікації</a:t>
-            </a:r>
-            <a:r>
-              <a:rPr lang="uk-UA" dirty="0"/>
-              <a:t>, модулі шифрування та управління сеансами, а також до архітектури в цілому.</a:t>
-            </a:r>
-            <a:endParaRPr lang="ru-RU" dirty="0"/>
-          </a:p>
-          <a:p>
-            <a:pPr marL="0" indent="0">
-              <a:buNone/>
-            </a:pPr>
-            <a:r>
-              <a:rPr lang="uk-UA" dirty="0"/>
-              <a:t>	Проведено аналіз методів забезпечення якості на основі статичних планів </a:t>
-            </a:r>
-            <a:r>
-              <a:rPr lang="uk-UA" dirty="0" smtClean="0"/>
-              <a:t>контролю </a:t>
-            </a:r>
-            <a:r>
-              <a:rPr lang="uk-UA" dirty="0"/>
-              <a:t>якості, які при їх використанні в умовах сучасного ринку ІТ дають змогу забезпечити високу якість і при цьому зменшити витрати на ресурси.</a:t>
-            </a:r>
-            <a:endParaRPr lang="ru-RU" dirty="0"/>
-          </a:p>
-          <a:p>
-            <a:pPr marL="0" indent="0">
-              <a:buNone/>
-            </a:pPr>
-            <a:r>
-              <a:rPr lang="uk-UA" dirty="0"/>
-              <a:t>	Використовуючи </a:t>
-            </a:r>
-            <a:r>
-              <a:rPr lang="en-US" dirty="0"/>
-              <a:t>IBM Rational </a:t>
-            </a:r>
-            <a:r>
-              <a:rPr lang="en-US" dirty="0" err="1"/>
-              <a:t>AppScan</a:t>
-            </a:r>
-            <a:r>
-              <a:rPr lang="en-US" dirty="0"/>
-              <a:t> </a:t>
-            </a:r>
-            <a:r>
-              <a:rPr lang="uk-UA" dirty="0"/>
-              <a:t>було закладено план контролю та отримано список </a:t>
-            </a:r>
-            <a:r>
-              <a:rPr lang="uk-UA" dirty="0" err="1"/>
-              <a:t>вразливостей</a:t>
-            </a:r>
-            <a:r>
-              <a:rPr lang="uk-UA" dirty="0"/>
-              <a:t>, що дозволило проаналізувати якість програмного додатку, який було досліджено. Використання таких комплексів дає можливість вивести якість додатків на доволі високий рівень. Це можливо, адже така система акумулює в собі набагато більше знань в конкретній області аніж невелика група людей.</a:t>
-            </a:r>
-            <a:endParaRPr lang="ru-RU" dirty="0"/>
-          </a:p>
-          <a:p>
-            <a:pPr marL="0" indent="0">
-              <a:buNone/>
-            </a:pPr>
-            <a:endParaRPr lang="en-US" dirty="0"/>
-          </a:p>
-        </p:txBody>
-      </p:sp>
-    </p:spTree>
-    <p:extLst>
-      <p:ext uri="{BB962C8B-B14F-4D97-AF65-F5344CB8AC3E}">
-        <p14:creationId xmlns:p14="http://schemas.microsoft.com/office/powerpoint/2010/main" val="3468978919"/>
-      </p:ext>
-    </p:extLst>
-  </p:cSld>
-  <p:clrMapOvr>
-    <a:masterClrMapping/>
-  </p:clrMapOvr>
-</p:sld>
-</file>
-
-<file path=ppt/slides/slide3.xml><?xml version="1.0" encoding="utf-8"?>
-<p:sld xmlns:a="http://schemas.openxmlformats.org/drawingml/2006/main" xmlns:r="http://schemas.openxmlformats.org/officeDocument/2006/relationships" xmlns:p="http://schemas.openxmlformats.org/presentationml/2006/main">
-  <p:cSld>
-    <p:spTree>
-      <p:nvGrpSpPr>
-        <p:cNvPr id="1" name=""/>
-        <p:cNvGrpSpPr/>
-        <p:nvPr/>
-      </p:nvGrpSpPr>
-      <p:grpSpPr>
-        <a:xfrm>
-          <a:off x="0" y="0"/>
-          <a:ext cx="0" cy="0"/>
-          <a:chOff x="0" y="0"/>
-          <a:chExt cx="0" cy="0"/>
-        </a:xfrm>
-      </p:grpSpPr>
       <p:pic>
         <p:nvPicPr>
           <p:cNvPr id="1026" name="Picture 2" descr="Waterfall main"/>
@@ -3763,7 +3591,7 @@
 </p:sld>
 </file>
 
-<file path=ppt/slides/slide4.xml><?xml version="1.0" encoding="utf-8"?>
+<file path=ppt/slides/slide3.xml><?xml version="1.0" encoding="utf-8"?>
 <p:sld xmlns:a="http://schemas.openxmlformats.org/drawingml/2006/main" xmlns:r="http://schemas.openxmlformats.org/officeDocument/2006/relationships" xmlns:p="http://schemas.openxmlformats.org/presentationml/2006/main">
   <p:cSld>
     <p:spTree>
@@ -4081,7 +3909,7 @@
 </p:sld>
 </file>
 
-<file path=ppt/slides/slide5.xml><?xml version="1.0" encoding="utf-8"?>
+<file path=ppt/slides/slide4.xml><?xml version="1.0" encoding="utf-8"?>
 <p:sld xmlns:a="http://schemas.openxmlformats.org/drawingml/2006/main" xmlns:r="http://schemas.openxmlformats.org/officeDocument/2006/relationships" xmlns:p="http://schemas.openxmlformats.org/presentationml/2006/main">
   <p:cSld>
     <p:spTree>
@@ -4098,15 +3926,46 @@
           <a:chExt cx="0" cy="0"/>
         </a:xfrm>
       </p:grpSpPr>
+      <p:sp>
+        <p:nvSpPr>
+          <p:cNvPr id="6" name="Заголовок 5"/>
+          <p:cNvSpPr>
+            <a:spLocks noGrp="1"/>
+          </p:cNvSpPr>
+          <p:nvPr>
+            <p:ph type="title"/>
+          </p:nvPr>
+        </p:nvSpPr>
+        <p:spPr>
+          <a:xfrm>
+            <a:off x="1879600" y="780032"/>
+            <a:ext cx="17659350" cy="1788543"/>
+          </a:xfrm>
+        </p:spPr>
+        <p:txBody>
+          <a:bodyPr>
+            <a:normAutofit fontScale="90000"/>
+          </a:bodyPr>
+          <a:lstStyle/>
+          <a:p>
+            <a:pPr algn="ctr"/>
+            <a:r>
+              <a:rPr lang="uk-UA" dirty="0" smtClean="0"/>
+              <a:t>Розрахунок плану вибіркового контролю</a:t>
+            </a:r>
+            <a:endParaRPr lang="ru-RU" dirty="0"/>
+          </a:p>
+        </p:txBody>
+      </p:sp>
       <p:pic>
         <p:nvPicPr>
-          <p:cNvPr id="4100" name="Picture 4"/>
+          <p:cNvPr id="1027" name="Picture 3"/>
           <p:cNvPicPr>
             <a:picLocks noChangeAspect="1" noChangeArrowheads="1"/>
           </p:cNvPicPr>
           <p:nvPr/>
         </p:nvPicPr>
-        <p:blipFill>
+        <p:blipFill rotWithShape="1">
           <a:blip r:embed="rId2">
             <a:extLst>
               <a:ext uri="{28A0092B-C50C-407E-A947-70E740481C1C}">
@@ -4114,15 +3973,13 @@
               </a:ext>
             </a:extLst>
           </a:blip>
-          <a:srcRect/>
-          <a:stretch>
-            <a:fillRect/>
-          </a:stretch>
+          <a:srcRect b="83050"/>
+          <a:stretch/>
         </p:blipFill>
         <p:spPr bwMode="auto">
           <a:xfrm>
-            <a:off x="2889037" y="8915399"/>
-            <a:ext cx="16420702" cy="5114925"/>
+            <a:off x="3044439" y="13179425"/>
+            <a:ext cx="15801142" cy="570442"/>
           </a:xfrm>
           <a:prstGeom prst="rect">
             <a:avLst/>
@@ -4164,7 +4021,7 @@
       </p:pic>
       <p:pic>
         <p:nvPicPr>
-          <p:cNvPr id="4102" name="Picture 6"/>
+          <p:cNvPr id="1028" name="Picture 4"/>
           <p:cNvPicPr>
             <a:picLocks noChangeAspect="1" noChangeArrowheads="1"/>
           </p:cNvPicPr>
@@ -4185,8 +4042,8 @@
         </p:blipFill>
         <p:spPr bwMode="auto">
           <a:xfrm>
-            <a:off x="2889037" y="14030324"/>
-            <a:ext cx="16071757" cy="3305323"/>
+            <a:off x="5572959" y="8585043"/>
+            <a:ext cx="11657766" cy="604994"/>
           </a:xfrm>
           <a:prstGeom prst="rect">
             <a:avLst/>
@@ -4228,71 +4085,29 @@
       </p:pic>
       <p:pic>
         <p:nvPicPr>
-          <p:cNvPr id="10" name="Рисунок 9"/>
+          <p:cNvPr id="8" name="Рисунок 7" descr="pic2.jpg"/>
           <p:cNvPicPr/>
           <p:nvPr/>
         </p:nvPicPr>
         <p:blipFill>
-          <a:blip r:embed="rId4">
-            <a:extLst>
-              <a:ext uri="{28A0092B-C50C-407E-A947-70E740481C1C}">
-                <a14:useLocalDpi xmlns:a14="http://schemas.microsoft.com/office/drawing/2010/main" val="0"/>
-              </a:ext>
-            </a:extLst>
-          </a:blip>
-          <a:srcRect/>
+          <a:blip r:embed="rId4"/>
           <a:stretch>
             <a:fillRect/>
           </a:stretch>
         </p:blipFill>
-        <p:spPr bwMode="auto">
-          <a:xfrm>
-            <a:off x="3150135" y="17659527"/>
-            <a:ext cx="15549560" cy="10572571"/>
+        <p:spPr>
+          <a:xfrm>
+            <a:off x="3044438" y="17181989"/>
+            <a:ext cx="16462761" cy="12192744"/>
           </a:xfrm>
           <a:prstGeom prst="rect">
             <a:avLst/>
           </a:prstGeom>
-          <a:noFill/>
-          <a:ln>
-            <a:noFill/>
-          </a:ln>
         </p:spPr>
       </p:pic>
-      <p:sp>
-        <p:nvSpPr>
-          <p:cNvPr id="6" name="Заголовок 5"/>
-          <p:cNvSpPr>
-            <a:spLocks noGrp="1"/>
-          </p:cNvSpPr>
-          <p:nvPr>
-            <p:ph type="title"/>
-          </p:nvPr>
-        </p:nvSpPr>
-        <p:spPr>
-          <a:xfrm>
-            <a:off x="1879600" y="780032"/>
-            <a:ext cx="17659350" cy="1788543"/>
-          </a:xfrm>
-        </p:spPr>
-        <p:txBody>
-          <a:bodyPr>
-            <a:normAutofit fontScale="90000"/>
-          </a:bodyPr>
-          <a:lstStyle/>
-          <a:p>
-            <a:pPr algn="ctr"/>
-            <a:r>
-              <a:rPr lang="uk-UA" dirty="0" smtClean="0"/>
-              <a:t>Розрахунок плану вибіркового контролю</a:t>
-            </a:r>
-            <a:endParaRPr lang="ru-RU" dirty="0"/>
-          </a:p>
-        </p:txBody>
-      </p:sp>
       <p:pic>
         <p:nvPicPr>
-          <p:cNvPr id="4117" name="Picture 21"/>
+          <p:cNvPr id="2" name="Picture 2"/>
           <p:cNvPicPr>
             <a:picLocks noChangeAspect="1" noChangeArrowheads="1"/>
           </p:cNvPicPr>
@@ -4313,8 +4128,8 @@
         </p:blipFill>
         <p:spPr bwMode="auto">
           <a:xfrm>
-            <a:off x="4222750" y="3405187"/>
-            <a:ext cx="12927654" cy="5195888"/>
+            <a:off x="3044439" y="9347404"/>
+            <a:ext cx="15801143" cy="3814881"/>
           </a:xfrm>
           <a:prstGeom prst="rect">
             <a:avLst/>
@@ -4354,97 +4169,16 @@
           </a:extLst>
         </p:spPr>
       </p:pic>
-    </p:spTree>
-    <p:extLst>
-      <p:ext uri="{BB962C8B-B14F-4D97-AF65-F5344CB8AC3E}">
-        <p14:creationId xmlns:p14="http://schemas.microsoft.com/office/powerpoint/2010/main" val="1222411456"/>
-      </p:ext>
-    </p:extLst>
-  </p:cSld>
-  <p:clrMapOvr>
-    <a:masterClrMapping/>
-  </p:clrMapOvr>
-</p:sld>
-</file>
-
-<file path=ppt/slides/slide6.xml><?xml version="1.0" encoding="utf-8"?>
-<p:sld xmlns:a="http://schemas.openxmlformats.org/drawingml/2006/main" xmlns:r="http://schemas.openxmlformats.org/officeDocument/2006/relationships" xmlns:p="http://schemas.openxmlformats.org/presentationml/2006/main">
-  <p:cSld>
-    <p:spTree>
-      <p:nvGrpSpPr>
-        <p:cNvPr id="1" name=""/>
-        <p:cNvGrpSpPr/>
-        <p:nvPr/>
-      </p:nvGrpSpPr>
-      <p:grpSpPr>
-        <a:xfrm>
-          <a:off x="0" y="0"/>
-          <a:ext cx="0" cy="0"/>
-          <a:chOff x="0" y="0"/>
-          <a:chExt cx="0" cy="0"/>
-        </a:xfrm>
-      </p:grpSpPr>
       <p:pic>
         <p:nvPicPr>
-          <p:cNvPr id="4" name="Рисунок 3"/>
-          <p:cNvPicPr/>
-          <p:nvPr/>
-        </p:nvPicPr>
-        <p:blipFill>
-          <a:blip r:embed="rId2"/>
-          <a:stretch>
-            <a:fillRect/>
-          </a:stretch>
-        </p:blipFill>
-        <p:spPr>
-          <a:xfrm>
-            <a:off x="1459546" y="3459004"/>
-            <a:ext cx="9488864" cy="5691346"/>
-          </a:xfrm>
-          <a:prstGeom prst="rect">
-            <a:avLst/>
-          </a:prstGeom>
-        </p:spPr>
-      </p:pic>
-      <p:pic>
-        <p:nvPicPr>
-          <p:cNvPr id="5" name="Рисунок 4"/>
-          <p:cNvPicPr/>
-          <p:nvPr/>
-        </p:nvPicPr>
-        <p:blipFill rotWithShape="1">
-          <a:blip r:embed="rId3"/>
-          <a:srcRect l="24027" t="19450" r="24502" b="19732"/>
-          <a:stretch/>
-        </p:blipFill>
-        <p:spPr bwMode="auto">
-          <a:xfrm>
-            <a:off x="11573548" y="3513238"/>
-            <a:ext cx="8448229" cy="5691346"/>
-          </a:xfrm>
-          <a:prstGeom prst="rect">
-            <a:avLst/>
-          </a:prstGeom>
-          <a:ln>
-            <a:noFill/>
-          </a:ln>
-          <a:extLst>
-            <a:ext uri="{53640926-AAD7-44D8-BBD7-CCE9431645EC}">
-              <a14:shadowObscured xmlns:a14="http://schemas.microsoft.com/office/drawing/2010/main"/>
-            </a:ext>
-          </a:extLst>
-        </p:spPr>
-      </p:pic>
-      <p:pic>
-        <p:nvPicPr>
-          <p:cNvPr id="3074" name="Picture 2"/>
+          <p:cNvPr id="1026" name="Picture 2"/>
           <p:cNvPicPr>
             <a:picLocks noChangeAspect="1" noChangeArrowheads="1"/>
           </p:cNvPicPr>
           <p:nvPr/>
         </p:nvPicPr>
         <p:blipFill>
-          <a:blip r:embed="rId4">
+          <a:blip r:embed="rId6">
             <a:extLst>
               <a:ext uri="{28A0092B-C50C-407E-A947-70E740481C1C}">
                 <a14:useLocalDpi xmlns:a14="http://schemas.microsoft.com/office/drawing/2010/main" val="0"/>
@@ -4458,8 +4192,8 @@
         </p:blipFill>
         <p:spPr bwMode="auto">
           <a:xfrm>
-            <a:off x="1688146" y="9376034"/>
-            <a:ext cx="3270398" cy="9255095"/>
+            <a:off x="3044439" y="13749866"/>
+            <a:ext cx="15809613" cy="3052233"/>
           </a:xfrm>
           <a:prstGeom prst="rect">
             <a:avLst/>
@@ -4501,51 +4235,7 @@
       </p:pic>
       <p:pic>
         <p:nvPicPr>
-          <p:cNvPr id="7" name="Рисунок 6"/>
-          <p:cNvPicPr/>
-          <p:nvPr/>
-        </p:nvPicPr>
-        <p:blipFill>
-          <a:blip r:embed="rId5"/>
-          <a:stretch>
-            <a:fillRect/>
-          </a:stretch>
-        </p:blipFill>
-        <p:spPr>
-          <a:xfrm>
-            <a:off x="5310105" y="10772776"/>
-            <a:ext cx="15353989" cy="7858354"/>
-          </a:xfrm>
-          <a:prstGeom prst="rect">
-            <a:avLst/>
-          </a:prstGeom>
-        </p:spPr>
-      </p:pic>
-      <p:pic>
-        <p:nvPicPr>
-          <p:cNvPr id="9" name="Рисунок 8"/>
-          <p:cNvPicPr/>
-          <p:nvPr/>
-        </p:nvPicPr>
-        <p:blipFill>
-          <a:blip r:embed="rId6"/>
-          <a:stretch>
-            <a:fillRect/>
-          </a:stretch>
-        </p:blipFill>
-        <p:spPr>
-          <a:xfrm>
-            <a:off x="1944126" y="18843028"/>
-            <a:ext cx="7114149" cy="10189172"/>
-          </a:xfrm>
-          <a:prstGeom prst="rect">
-            <a:avLst/>
-          </a:prstGeom>
-        </p:spPr>
-      </p:pic>
-      <p:pic>
-        <p:nvPicPr>
-          <p:cNvPr id="3075" name="Picture 3"/>
+          <p:cNvPr id="1040" name="Picture 16"/>
           <p:cNvPicPr>
             <a:picLocks noChangeAspect="1" noChangeArrowheads="1"/>
           </p:cNvPicPr>
@@ -4566,8 +4256,8 @@
         </p:blipFill>
         <p:spPr bwMode="auto">
           <a:xfrm>
-            <a:off x="9988231" y="18843028"/>
-            <a:ext cx="10140958" cy="10189172"/>
+            <a:off x="3044438" y="2878137"/>
+            <a:ext cx="10166746" cy="5706905"/>
           </a:xfrm>
           <a:prstGeom prst="rect">
             <a:avLst/>
@@ -4607,6 +4297,323 @@
           </a:extLst>
         </p:spPr>
       </p:pic>
+      <p:pic>
+        <p:nvPicPr>
+          <p:cNvPr id="1042" name="Picture 18"/>
+          <p:cNvPicPr>
+            <a:picLocks noChangeAspect="1" noChangeArrowheads="1"/>
+          </p:cNvPicPr>
+          <p:nvPr/>
+        </p:nvPicPr>
+        <p:blipFill>
+          <a:blip r:embed="rId8">
+            <a:extLst>
+              <a:ext uri="{28A0092B-C50C-407E-A947-70E740481C1C}">
+                <a14:useLocalDpi xmlns:a14="http://schemas.microsoft.com/office/drawing/2010/main" val="0"/>
+              </a:ext>
+            </a:extLst>
+          </a:blip>
+          <a:srcRect/>
+          <a:stretch>
+            <a:fillRect/>
+          </a:stretch>
+        </p:blipFill>
+        <p:spPr bwMode="auto">
+          <a:xfrm>
+            <a:off x="13211184" y="3082557"/>
+            <a:ext cx="6937374" cy="4848960"/>
+          </a:xfrm>
+          <a:prstGeom prst="rect">
+            <a:avLst/>
+          </a:prstGeom>
+          <a:noFill/>
+          <a:ln>
+            <a:noFill/>
+          </a:ln>
+          <a:effectLst/>
+          <a:extLst>
+            <a:ext uri="{909E8E84-426E-40DD-AFC4-6F175D3DCCD1}">
+              <a14:hiddenFill xmlns:a14="http://schemas.microsoft.com/office/drawing/2010/main">
+                <a:solidFill>
+                  <a:schemeClr val="accent1"/>
+                </a:solidFill>
+              </a14:hiddenFill>
+            </a:ext>
+            <a:ext uri="{91240B29-F687-4F45-9708-019B960494DF}">
+              <a14:hiddenLine xmlns:a14="http://schemas.microsoft.com/office/drawing/2010/main" w="9525">
+                <a:solidFill>
+                  <a:schemeClr val="tx1"/>
+                </a:solidFill>
+                <a:miter lim="800000"/>
+                <a:headEnd/>
+                <a:tailEnd/>
+              </a14:hiddenLine>
+            </a:ext>
+            <a:ext uri="{AF507438-7753-43E0-B8FC-AC1667EBCBE1}">
+              <a14:hiddenEffects xmlns:a14="http://schemas.microsoft.com/office/drawing/2010/main">
+                <a:effectLst>
+                  <a:outerShdw dist="35921" dir="2700000" algn="ctr" rotWithShape="0">
+                    <a:schemeClr val="bg2"/>
+                  </a:outerShdw>
+                </a:effectLst>
+              </a14:hiddenEffects>
+            </a:ext>
+          </a:extLst>
+        </p:spPr>
+      </p:pic>
+    </p:spTree>
+    <p:extLst>
+      <p:ext uri="{BB962C8B-B14F-4D97-AF65-F5344CB8AC3E}">
+        <p14:creationId xmlns:p14="http://schemas.microsoft.com/office/powerpoint/2010/main" val="1222411456"/>
+      </p:ext>
+    </p:extLst>
+  </p:cSld>
+  <p:clrMapOvr>
+    <a:masterClrMapping/>
+  </p:clrMapOvr>
+</p:sld>
+</file>
+
+<file path=ppt/slides/slide5.xml><?xml version="1.0" encoding="utf-8"?>
+<p:sld xmlns:a="http://schemas.openxmlformats.org/drawingml/2006/main" xmlns:r="http://schemas.openxmlformats.org/officeDocument/2006/relationships" xmlns:p="http://schemas.openxmlformats.org/presentationml/2006/main">
+  <p:cSld>
+    <p:spTree>
+      <p:nvGrpSpPr>
+        <p:cNvPr id="1" name=""/>
+        <p:cNvGrpSpPr/>
+        <p:nvPr/>
+      </p:nvGrpSpPr>
+      <p:grpSpPr>
+        <a:xfrm>
+          <a:off x="0" y="0"/>
+          <a:ext cx="0" cy="0"/>
+          <a:chOff x="0" y="0"/>
+          <a:chExt cx="0" cy="0"/>
+        </a:xfrm>
+      </p:grpSpPr>
+      <p:pic>
+        <p:nvPicPr>
+          <p:cNvPr id="4" name="Рисунок 3"/>
+          <p:cNvPicPr/>
+          <p:nvPr/>
+        </p:nvPicPr>
+        <p:blipFill>
+          <a:blip r:embed="rId2"/>
+          <a:stretch>
+            <a:fillRect/>
+          </a:stretch>
+        </p:blipFill>
+        <p:spPr>
+          <a:xfrm>
+            <a:off x="1459546" y="3459004"/>
+            <a:ext cx="9488864" cy="5691346"/>
+          </a:xfrm>
+          <a:prstGeom prst="rect">
+            <a:avLst/>
+          </a:prstGeom>
+        </p:spPr>
+      </p:pic>
+      <p:pic>
+        <p:nvPicPr>
+          <p:cNvPr id="5" name="Рисунок 4"/>
+          <p:cNvPicPr/>
+          <p:nvPr/>
+        </p:nvPicPr>
+        <p:blipFill rotWithShape="1">
+          <a:blip r:embed="rId3"/>
+          <a:srcRect l="24027" t="19450" r="24502" b="19732"/>
+          <a:stretch/>
+        </p:blipFill>
+        <p:spPr bwMode="auto">
+          <a:xfrm>
+            <a:off x="11573548" y="3513238"/>
+            <a:ext cx="8448229" cy="5691346"/>
+          </a:xfrm>
+          <a:prstGeom prst="rect">
+            <a:avLst/>
+          </a:prstGeom>
+          <a:ln>
+            <a:noFill/>
+          </a:ln>
+          <a:extLst>
+            <a:ext uri="{53640926-AAD7-44D8-BBD7-CCE9431645EC}">
+              <a14:shadowObscured xmlns:a14="http://schemas.microsoft.com/office/drawing/2010/main"/>
+            </a:ext>
+          </a:extLst>
+        </p:spPr>
+      </p:pic>
+      <p:pic>
+        <p:nvPicPr>
+          <p:cNvPr id="3074" name="Picture 2"/>
+          <p:cNvPicPr>
+            <a:picLocks noChangeAspect="1" noChangeArrowheads="1"/>
+          </p:cNvPicPr>
+          <p:nvPr/>
+        </p:nvPicPr>
+        <p:blipFill>
+          <a:blip r:embed="rId4">
+            <a:extLst>
+              <a:ext uri="{28A0092B-C50C-407E-A947-70E740481C1C}">
+                <a14:useLocalDpi xmlns:a14="http://schemas.microsoft.com/office/drawing/2010/main" val="0"/>
+              </a:ext>
+            </a:extLst>
+          </a:blip>
+          <a:srcRect/>
+          <a:stretch>
+            <a:fillRect/>
+          </a:stretch>
+        </p:blipFill>
+        <p:spPr bwMode="auto">
+          <a:xfrm>
+            <a:off x="1688146" y="9376034"/>
+            <a:ext cx="3270398" cy="9255095"/>
+          </a:xfrm>
+          <a:prstGeom prst="rect">
+            <a:avLst/>
+          </a:prstGeom>
+          <a:noFill/>
+          <a:ln>
+            <a:noFill/>
+          </a:ln>
+          <a:effectLst/>
+          <a:extLst>
+            <a:ext uri="{909E8E84-426E-40DD-AFC4-6F175D3DCCD1}">
+              <a14:hiddenFill xmlns:a14="http://schemas.microsoft.com/office/drawing/2010/main">
+                <a:solidFill>
+                  <a:schemeClr val="accent1"/>
+                </a:solidFill>
+              </a14:hiddenFill>
+            </a:ext>
+            <a:ext uri="{91240B29-F687-4F45-9708-019B960494DF}">
+              <a14:hiddenLine xmlns:a14="http://schemas.microsoft.com/office/drawing/2010/main" w="9525">
+                <a:solidFill>
+                  <a:schemeClr val="tx1"/>
+                </a:solidFill>
+                <a:miter lim="800000"/>
+                <a:headEnd/>
+                <a:tailEnd/>
+              </a14:hiddenLine>
+            </a:ext>
+            <a:ext uri="{AF507438-7753-43E0-B8FC-AC1667EBCBE1}">
+              <a14:hiddenEffects xmlns:a14="http://schemas.microsoft.com/office/drawing/2010/main">
+                <a:effectLst>
+                  <a:outerShdw dist="35921" dir="2700000" algn="ctr" rotWithShape="0">
+                    <a:schemeClr val="bg2"/>
+                  </a:outerShdw>
+                </a:effectLst>
+              </a14:hiddenEffects>
+            </a:ext>
+          </a:extLst>
+        </p:spPr>
+      </p:pic>
+      <p:pic>
+        <p:nvPicPr>
+          <p:cNvPr id="7" name="Рисунок 6"/>
+          <p:cNvPicPr/>
+          <p:nvPr/>
+        </p:nvPicPr>
+        <p:blipFill>
+          <a:blip r:embed="rId5"/>
+          <a:stretch>
+            <a:fillRect/>
+          </a:stretch>
+        </p:blipFill>
+        <p:spPr>
+          <a:xfrm>
+            <a:off x="5310105" y="10772776"/>
+            <a:ext cx="15353989" cy="7858354"/>
+          </a:xfrm>
+          <a:prstGeom prst="rect">
+            <a:avLst/>
+          </a:prstGeom>
+        </p:spPr>
+      </p:pic>
+      <p:pic>
+        <p:nvPicPr>
+          <p:cNvPr id="9" name="Рисунок 8"/>
+          <p:cNvPicPr/>
+          <p:nvPr/>
+        </p:nvPicPr>
+        <p:blipFill>
+          <a:blip r:embed="rId6"/>
+          <a:stretch>
+            <a:fillRect/>
+          </a:stretch>
+        </p:blipFill>
+        <p:spPr>
+          <a:xfrm>
+            <a:off x="1944126" y="18843028"/>
+            <a:ext cx="7114149" cy="10189172"/>
+          </a:xfrm>
+          <a:prstGeom prst="rect">
+            <a:avLst/>
+          </a:prstGeom>
+        </p:spPr>
+      </p:pic>
+      <p:pic>
+        <p:nvPicPr>
+          <p:cNvPr id="3075" name="Picture 3"/>
+          <p:cNvPicPr>
+            <a:picLocks noChangeAspect="1" noChangeArrowheads="1"/>
+          </p:cNvPicPr>
+          <p:nvPr/>
+        </p:nvPicPr>
+        <p:blipFill>
+          <a:blip r:embed="rId7">
+            <a:extLst>
+              <a:ext uri="{28A0092B-C50C-407E-A947-70E740481C1C}">
+                <a14:useLocalDpi xmlns:a14="http://schemas.microsoft.com/office/drawing/2010/main" val="0"/>
+              </a:ext>
+            </a:extLst>
+          </a:blip>
+          <a:srcRect/>
+          <a:stretch>
+            <a:fillRect/>
+          </a:stretch>
+        </p:blipFill>
+        <p:spPr bwMode="auto">
+          <a:xfrm>
+            <a:off x="9988231" y="18843028"/>
+            <a:ext cx="10140958" cy="10189172"/>
+          </a:xfrm>
+          <a:prstGeom prst="rect">
+            <a:avLst/>
+          </a:prstGeom>
+          <a:noFill/>
+          <a:ln>
+            <a:noFill/>
+          </a:ln>
+          <a:effectLst/>
+          <a:extLst>
+            <a:ext uri="{909E8E84-426E-40DD-AFC4-6F175D3DCCD1}">
+              <a14:hiddenFill xmlns:a14="http://schemas.microsoft.com/office/drawing/2010/main">
+                <a:solidFill>
+                  <a:schemeClr val="accent1"/>
+                </a:solidFill>
+              </a14:hiddenFill>
+            </a:ext>
+            <a:ext uri="{91240B29-F687-4F45-9708-019B960494DF}">
+              <a14:hiddenLine xmlns:a14="http://schemas.microsoft.com/office/drawing/2010/main" w="9525">
+                <a:solidFill>
+                  <a:schemeClr val="tx1"/>
+                </a:solidFill>
+                <a:miter lim="800000"/>
+                <a:headEnd/>
+                <a:tailEnd/>
+              </a14:hiddenLine>
+            </a:ext>
+            <a:ext uri="{AF507438-7753-43E0-B8FC-AC1667EBCBE1}">
+              <a14:hiddenEffects xmlns:a14="http://schemas.microsoft.com/office/drawing/2010/main">
+                <a:effectLst>
+                  <a:outerShdw dist="35921" dir="2700000" algn="ctr" rotWithShape="0">
+                    <a:schemeClr val="bg2"/>
+                  </a:outerShdw>
+                </a:effectLst>
+              </a14:hiddenEffects>
+            </a:ext>
+          </a:extLst>
+        </p:spPr>
+      </p:pic>
       <p:sp>
         <p:nvSpPr>
           <p:cNvPr id="6" name="Заголовок 5"/>
@@ -4631,20 +4638,8 @@
           <a:p>
             <a:pPr algn="ctr"/>
             <a:r>
-              <a:rPr lang="uk-UA" smtClean="0"/>
-              <a:t>Проведення </a:t>
-            </a:r>
-            <a:r>
-              <a:rPr lang="uk-UA" smtClean="0"/>
-              <a:t>тестування з </a:t>
-            </a:r>
-            <a:r>
               <a:rPr lang="uk-UA" dirty="0" smtClean="0"/>
-              <a:t>використанням</a:t>
-            </a:r>
-            <a:r>
-              <a:rPr lang="uk-UA" dirty="0" smtClean="0"/>
-              <a:t> </a:t>
+              <a:t>Проведення тестування з використанням </a:t>
             </a:r>
             <a:r>
               <a:rPr lang="en-US" dirty="0" err="1" smtClean="0"/>
@@ -4658,6 +4653,273 @@
     <p:extLst>
       <p:ext uri="{BB962C8B-B14F-4D97-AF65-F5344CB8AC3E}">
         <p14:creationId xmlns:p14="http://schemas.microsoft.com/office/powerpoint/2010/main" val="2708675744"/>
+      </p:ext>
+    </p:extLst>
+  </p:cSld>
+  <p:clrMapOvr>
+    <a:masterClrMapping/>
+  </p:clrMapOvr>
+</p:sld>
+</file>
+
+<file path=ppt/slides/slide6.xml><?xml version="1.0" encoding="utf-8"?>
+<p:sld xmlns:a="http://schemas.openxmlformats.org/drawingml/2006/main" xmlns:r="http://schemas.openxmlformats.org/officeDocument/2006/relationships" xmlns:p="http://schemas.openxmlformats.org/presentationml/2006/main">
+  <p:cSld>
+    <p:spTree>
+      <p:nvGrpSpPr>
+        <p:cNvPr id="1" name=""/>
+        <p:cNvGrpSpPr/>
+        <p:nvPr/>
+      </p:nvGrpSpPr>
+      <p:grpSpPr>
+        <a:xfrm>
+          <a:off x="0" y="0"/>
+          <a:ext cx="0" cy="0"/>
+          <a:chOff x="0" y="0"/>
+          <a:chExt cx="0" cy="0"/>
+        </a:xfrm>
+      </p:grpSpPr>
+      <p:sp>
+        <p:nvSpPr>
+          <p:cNvPr id="2" name="Title 1"/>
+          <p:cNvSpPr>
+            <a:spLocks noGrp="1"/>
+          </p:cNvSpPr>
+          <p:nvPr>
+            <p:ph type="title"/>
+          </p:nvPr>
+        </p:nvSpPr>
+        <p:spPr/>
+        <p:txBody>
+          <a:bodyPr/>
+          <a:lstStyle/>
+          <a:p>
+            <a:r>
+              <a:rPr lang="ru-RU" sz="14800" dirty="0"/>
+              <a:t>Висновки</a:t>
+            </a:r>
+            <a:endParaRPr lang="en-US" dirty="0"/>
+          </a:p>
+        </p:txBody>
+      </p:sp>
+      <p:sp>
+        <p:nvSpPr>
+          <p:cNvPr id="3" name="Content Placeholder 2"/>
+          <p:cNvSpPr>
+            <a:spLocks noGrp="1"/>
+          </p:cNvSpPr>
+          <p:nvPr>
+            <p:ph idx="1"/>
+          </p:nvPr>
+        </p:nvSpPr>
+        <p:spPr>
+          <a:xfrm>
+            <a:off x="1462702" y="8059374"/>
+            <a:ext cx="19035097" cy="19209345"/>
+          </a:xfrm>
+        </p:spPr>
+        <p:txBody>
+          <a:bodyPr>
+            <a:normAutofit fontScale="92500" lnSpcReduction="10000"/>
+          </a:bodyPr>
+          <a:lstStyle/>
+          <a:p>
+            <a:pPr marL="0" indent="0">
+              <a:buNone/>
+            </a:pPr>
+            <a:r>
+              <a:rPr lang="uk-UA" dirty="0" smtClean="0"/>
+              <a:t>	В </a:t>
+            </a:r>
+            <a:r>
+              <a:rPr lang="uk-UA" dirty="0"/>
+              <a:t>ході роботи було обґрунтовано актуальність дослідження методів забезпечення якості програмних додатків, заснованих </a:t>
+            </a:r>
+            <a:r>
+              <a:rPr lang="uk-UA" dirty="0" smtClean="0"/>
+              <a:t>на </a:t>
+            </a:r>
+            <a:r>
+              <a:rPr lang="uk-UA" dirty="0"/>
+              <a:t>використанні статистичних методів контролю</a:t>
+            </a:r>
+            <a:endParaRPr lang="ru-RU" dirty="0"/>
+          </a:p>
+          <a:p>
+            <a:pPr marL="0" indent="0">
+              <a:buNone/>
+            </a:pPr>
+            <a:r>
+              <a:rPr lang="uk-UA" dirty="0"/>
+              <a:t>	Проведено аналіз моделей життєвого циклу розробки програмних додатків. Дано визначення різних складових якості відповідно до стандарту </a:t>
+            </a:r>
+            <a:r>
+              <a:rPr lang="en-US" dirty="0"/>
+              <a:t>ISO</a:t>
+            </a:r>
+            <a:r>
+              <a:rPr lang="uk-UA" dirty="0"/>
+              <a:t> 9126:2001. </a:t>
+            </a:r>
+            <a:endParaRPr lang="ru-RU" dirty="0"/>
+          </a:p>
+          <a:p>
+            <a:pPr marL="0" indent="0">
+              <a:buNone/>
+            </a:pPr>
+            <a:r>
+              <a:rPr lang="uk-UA" dirty="0"/>
+              <a:t>	Досліджено вимоги до безпеки  для різних компонент розроблюваного програмного додатку, такі як модуль </a:t>
+            </a:r>
+            <a:r>
+              <a:rPr lang="uk-UA" dirty="0" err="1" smtClean="0"/>
+              <a:t>автентифікації</a:t>
+            </a:r>
+            <a:r>
+              <a:rPr lang="uk-UA" dirty="0"/>
+              <a:t>, модулі шифрування та управління сеансами, а також до архітектури в цілому.</a:t>
+            </a:r>
+            <a:endParaRPr lang="ru-RU" dirty="0"/>
+          </a:p>
+          <a:p>
+            <a:pPr marL="0" indent="0">
+              <a:buNone/>
+            </a:pPr>
+            <a:r>
+              <a:rPr lang="uk-UA" dirty="0"/>
+              <a:t>	Проведено аналіз методів забезпечення якості на основі статичних планів </a:t>
+            </a:r>
+            <a:r>
+              <a:rPr lang="uk-UA" dirty="0" smtClean="0"/>
+              <a:t>контролю </a:t>
+            </a:r>
+            <a:r>
+              <a:rPr lang="uk-UA" dirty="0"/>
+              <a:t>якості, які при їх використанні в умовах сучасного ринку ІТ дають змогу забезпечити високу якість і при цьому зменшити витрати на ресурси.</a:t>
+            </a:r>
+            <a:endParaRPr lang="ru-RU" dirty="0"/>
+          </a:p>
+          <a:p>
+            <a:pPr marL="0" indent="0">
+              <a:buNone/>
+            </a:pPr>
+            <a:r>
+              <a:rPr lang="uk-UA" dirty="0"/>
+              <a:t>	Використовуючи </a:t>
+            </a:r>
+            <a:r>
+              <a:rPr lang="en-US" dirty="0"/>
+              <a:t>IBM Rational </a:t>
+            </a:r>
+            <a:r>
+              <a:rPr lang="en-US" dirty="0" err="1"/>
+              <a:t>AppScan</a:t>
+            </a:r>
+            <a:r>
+              <a:rPr lang="en-US" dirty="0"/>
+              <a:t> </a:t>
+            </a:r>
+            <a:r>
+              <a:rPr lang="uk-UA" dirty="0"/>
+              <a:t>було закладено план контролю та отримано список </a:t>
+            </a:r>
+            <a:r>
+              <a:rPr lang="uk-UA" dirty="0" err="1"/>
+              <a:t>вразливостей</a:t>
+            </a:r>
+            <a:r>
+              <a:rPr lang="uk-UA" dirty="0"/>
+              <a:t>, що дозволило проаналізувати якість програмного додатку, який було досліджено. Використання таких комплексів дає можливість вивести якість додатків на доволі високий рівень. Це можливо, адже така система акумулює в собі набагато більше знань в конкретній області аніж невелика група людей.</a:t>
+            </a:r>
+            <a:endParaRPr lang="ru-RU" dirty="0"/>
+          </a:p>
+          <a:p>
+            <a:pPr marL="0" indent="0">
+              <a:buNone/>
+            </a:pPr>
+            <a:endParaRPr lang="en-US" dirty="0"/>
+          </a:p>
+        </p:txBody>
+      </p:sp>
+    </p:spTree>
+    <p:extLst>
+      <p:ext uri="{BB962C8B-B14F-4D97-AF65-F5344CB8AC3E}">
+        <p14:creationId xmlns:p14="http://schemas.microsoft.com/office/powerpoint/2010/main" val="3468978919"/>
+      </p:ext>
+    </p:extLst>
+  </p:cSld>
+  <p:clrMapOvr>
+    <a:masterClrMapping/>
+  </p:clrMapOvr>
+</p:sld>
+</file>
+
+<file path=ppt/slides/slide7.xml><?xml version="1.0" encoding="utf-8"?>
+<p:sld xmlns:a="http://schemas.openxmlformats.org/drawingml/2006/main" xmlns:r="http://schemas.openxmlformats.org/officeDocument/2006/relationships" xmlns:p="http://schemas.openxmlformats.org/presentationml/2006/main">
+  <p:cSld>
+    <p:spTree>
+      <p:nvGrpSpPr>
+        <p:cNvPr id="1" name=""/>
+        <p:cNvGrpSpPr/>
+        <p:nvPr/>
+      </p:nvGrpSpPr>
+      <p:grpSpPr>
+        <a:xfrm>
+          <a:off x="0" y="0"/>
+          <a:ext cx="0" cy="0"/>
+          <a:chOff x="0" y="0"/>
+          <a:chExt cx="0" cy="0"/>
+        </a:xfrm>
+      </p:grpSpPr>
+      <p:sp>
+        <p:nvSpPr>
+          <p:cNvPr id="2" name="Заголовок 1"/>
+          <p:cNvSpPr>
+            <a:spLocks noGrp="1"/>
+          </p:cNvSpPr>
+          <p:nvPr>
+            <p:ph type="title"/>
+          </p:nvPr>
+        </p:nvSpPr>
+        <p:spPr>
+          <a:xfrm>
+            <a:off x="1462703" y="1611881"/>
+            <a:ext cx="9652972" cy="5903343"/>
+          </a:xfrm>
+        </p:spPr>
+        <p:txBody>
+          <a:bodyPr>
+            <a:normAutofit/>
+          </a:bodyPr>
+          <a:lstStyle/>
+          <a:p>
+            <a:endParaRPr lang="ru-RU" sz="2800" dirty="0"/>
+          </a:p>
+        </p:txBody>
+      </p:sp>
+      <p:sp>
+        <p:nvSpPr>
+          <p:cNvPr id="3" name="Объект 2"/>
+          <p:cNvSpPr>
+            <a:spLocks noGrp="1"/>
+          </p:cNvSpPr>
+          <p:nvPr>
+            <p:ph idx="1"/>
+          </p:nvPr>
+        </p:nvSpPr>
+        <p:spPr/>
+        <p:txBody>
+          <a:bodyPr/>
+          <a:lstStyle/>
+          <a:p>
+            <a:endParaRPr lang="ru-RU"/>
+          </a:p>
+        </p:txBody>
+      </p:sp>
+    </p:spTree>
+    <p:extLst>
+      <p:ext uri="{BB962C8B-B14F-4D97-AF65-F5344CB8AC3E}">
+        <p14:creationId xmlns:p14="http://schemas.microsoft.com/office/powerpoint/2010/main" val="3912780259"/>
       </p:ext>
     </p:extLst>
   </p:cSld>
